--- a/analysis/postgres_schema_design.pptx
+++ b/analysis/postgres_schema_design.pptx
@@ -244,7 +244,7 @@
           <a:p>
             <a:fld id="{1F990440-0B48-4994-BEC4-3AB1D8B12F52}" type="datetimeFigureOut">
               <a:rPr lang="en-IN" smtClean="0"/>
-              <a:t>02-05-2022</a:t>
+              <a:t>11-05-2022</a:t>
             </a:fld>
             <a:endParaRPr lang="en-IN"/>
           </a:p>
@@ -414,7 +414,7 @@
           <a:p>
             <a:fld id="{1F990440-0B48-4994-BEC4-3AB1D8B12F52}" type="datetimeFigureOut">
               <a:rPr lang="en-IN" smtClean="0"/>
-              <a:t>02-05-2022</a:t>
+              <a:t>11-05-2022</a:t>
             </a:fld>
             <a:endParaRPr lang="en-IN"/>
           </a:p>
@@ -594,7 +594,7 @@
           <a:p>
             <a:fld id="{1F990440-0B48-4994-BEC4-3AB1D8B12F52}" type="datetimeFigureOut">
               <a:rPr lang="en-IN" smtClean="0"/>
-              <a:t>02-05-2022</a:t>
+              <a:t>11-05-2022</a:t>
             </a:fld>
             <a:endParaRPr lang="en-IN"/>
           </a:p>
@@ -764,7 +764,7 @@
           <a:p>
             <a:fld id="{1F990440-0B48-4994-BEC4-3AB1D8B12F52}" type="datetimeFigureOut">
               <a:rPr lang="en-IN" smtClean="0"/>
-              <a:t>02-05-2022</a:t>
+              <a:t>11-05-2022</a:t>
             </a:fld>
             <a:endParaRPr lang="en-IN"/>
           </a:p>
@@ -1010,7 +1010,7 @@
           <a:p>
             <a:fld id="{1F990440-0B48-4994-BEC4-3AB1D8B12F52}" type="datetimeFigureOut">
               <a:rPr lang="en-IN" smtClean="0"/>
-              <a:t>02-05-2022</a:t>
+              <a:t>11-05-2022</a:t>
             </a:fld>
             <a:endParaRPr lang="en-IN"/>
           </a:p>
@@ -1242,7 +1242,7 @@
           <a:p>
             <a:fld id="{1F990440-0B48-4994-BEC4-3AB1D8B12F52}" type="datetimeFigureOut">
               <a:rPr lang="en-IN" smtClean="0"/>
-              <a:t>02-05-2022</a:t>
+              <a:t>11-05-2022</a:t>
             </a:fld>
             <a:endParaRPr lang="en-IN"/>
           </a:p>
@@ -1609,7 +1609,7 @@
           <a:p>
             <a:fld id="{1F990440-0B48-4994-BEC4-3AB1D8B12F52}" type="datetimeFigureOut">
               <a:rPr lang="en-IN" smtClean="0"/>
-              <a:t>02-05-2022</a:t>
+              <a:t>11-05-2022</a:t>
             </a:fld>
             <a:endParaRPr lang="en-IN"/>
           </a:p>
@@ -1727,7 +1727,7 @@
           <a:p>
             <a:fld id="{1F990440-0B48-4994-BEC4-3AB1D8B12F52}" type="datetimeFigureOut">
               <a:rPr lang="en-IN" smtClean="0"/>
-              <a:t>02-05-2022</a:t>
+              <a:t>11-05-2022</a:t>
             </a:fld>
             <a:endParaRPr lang="en-IN"/>
           </a:p>
@@ -1822,7 +1822,7 @@
           <a:p>
             <a:fld id="{1F990440-0B48-4994-BEC4-3AB1D8B12F52}" type="datetimeFigureOut">
               <a:rPr lang="en-IN" smtClean="0"/>
-              <a:t>02-05-2022</a:t>
+              <a:t>11-05-2022</a:t>
             </a:fld>
             <a:endParaRPr lang="en-IN"/>
           </a:p>
@@ -2099,7 +2099,7 @@
           <a:p>
             <a:fld id="{1F990440-0B48-4994-BEC4-3AB1D8B12F52}" type="datetimeFigureOut">
               <a:rPr lang="en-IN" smtClean="0"/>
-              <a:t>02-05-2022</a:t>
+              <a:t>11-05-2022</a:t>
             </a:fld>
             <a:endParaRPr lang="en-IN"/>
           </a:p>
@@ -2352,7 +2352,7 @@
           <a:p>
             <a:fld id="{1F990440-0B48-4994-BEC4-3AB1D8B12F52}" type="datetimeFigureOut">
               <a:rPr lang="en-IN" smtClean="0"/>
-              <a:t>02-05-2022</a:t>
+              <a:t>11-05-2022</a:t>
             </a:fld>
             <a:endParaRPr lang="en-IN"/>
           </a:p>
@@ -2565,7 +2565,7 @@
           <a:p>
             <a:fld id="{1F990440-0B48-4994-BEC4-3AB1D8B12F52}" type="datetimeFigureOut">
               <a:rPr lang="en-IN" smtClean="0"/>
-              <a:t>02-05-2022</a:t>
+              <a:t>11-05-2022</a:t>
             </a:fld>
             <a:endParaRPr lang="en-IN"/>
           </a:p>
@@ -2978,8 +2978,8 @@
         </p:nvSpPr>
         <p:spPr>
           <a:xfrm>
-            <a:off x="3241963" y="297671"/>
-            <a:ext cx="4702629" cy="5902382"/>
+            <a:off x="2021534" y="894724"/>
+            <a:ext cx="4690754" cy="5629954"/>
           </a:xfrm>
           <a:prstGeom prst="rect">
             <a:avLst/>
@@ -3024,7 +3024,7 @@
         </p:nvSpPr>
         <p:spPr>
           <a:xfrm>
-            <a:off x="4741225" y="598133"/>
+            <a:off x="3508920" y="1028498"/>
             <a:ext cx="1704108" cy="646331"/>
           </a:xfrm>
           <a:prstGeom prst="rect">
@@ -3065,7 +3065,7 @@
         </p:nvSpPr>
         <p:spPr>
           <a:xfrm>
-            <a:off x="8774379" y="909422"/>
+            <a:off x="7671223" y="1382137"/>
             <a:ext cx="2410691" cy="4655127"/>
           </a:xfrm>
           <a:prstGeom prst="rect">
@@ -3111,7 +3111,7 @@
         </p:nvSpPr>
         <p:spPr>
           <a:xfrm>
-            <a:off x="9069778" y="2383988"/>
+            <a:off x="7966622" y="2856703"/>
             <a:ext cx="1819895" cy="2677656"/>
           </a:xfrm>
           <a:prstGeom prst="rect">
@@ -3267,7 +3267,7 @@
         </p:nvSpPr>
         <p:spPr>
           <a:xfrm>
-            <a:off x="9069778" y="1308535"/>
+            <a:off x="7966622" y="1781250"/>
             <a:ext cx="1704108" cy="646331"/>
           </a:xfrm>
           <a:prstGeom prst="rect">
@@ -3310,7 +3310,7 @@
         </p:nvSpPr>
         <p:spPr>
           <a:xfrm>
-            <a:off x="3770416" y="1456377"/>
+            <a:off x="2538112" y="1781002"/>
             <a:ext cx="3645725" cy="4185761"/>
           </a:xfrm>
           <a:prstGeom prst="rect">
@@ -3490,14 +3490,14 @@
       </p:sp>
       <p:sp>
         <p:nvSpPr>
-          <p:cNvPr id="11" name="TextBox 10"/>
+          <p:cNvPr id="9" name="TextBox 8"/>
           <p:cNvSpPr txBox="1"/>
           <p:nvPr/>
         </p:nvSpPr>
         <p:spPr>
           <a:xfrm>
-            <a:off x="635268" y="2472954"/>
-            <a:ext cx="1952368" cy="1323439"/>
+            <a:off x="369097" y="100341"/>
+            <a:ext cx="9844645" cy="707886"/>
           </a:xfrm>
           <a:prstGeom prst="rect">
             <a:avLst/>
@@ -3510,46 +3510,16 @@
           </a:bodyPr>
           <a:lstStyle/>
           <a:p>
-            <a:pPr algn="ctr"/>
-            <a:r>
-              <a:rPr lang="en-US" sz="4000" dirty="0" smtClean="0">
-                <a:ln w="0"/>
-                <a:effectLst>
-                  <a:outerShdw blurRad="38100" dist="19050" dir="2700000" algn="tl" rotWithShape="0">
-                    <a:schemeClr val="dk1">
-                      <a:alpha val="40000"/>
-                    </a:schemeClr>
-                  </a:outerShdw>
-                </a:effectLst>
+            <a:r>
+              <a:rPr lang="en-US" sz="4000" b="1" dirty="0" smtClean="0">
+                <a:solidFill>
+                  <a:srgbClr val="7030A0"/>
+                </a:solidFill>
+                <a:latin typeface="Calibri" panose="020F0502020204030204" pitchFamily="34" charset="0"/>
+                <a:cs typeface="Calibri" panose="020F0502020204030204" pitchFamily="34" charset="0"/>
               </a:rPr>
-              <a:t>RAW</a:t>
-            </a:r>
-          </a:p>
-          <a:p>
-            <a:pPr algn="ctr"/>
-            <a:r>
-              <a:rPr lang="en-US" sz="4000" dirty="0" smtClean="0">
-                <a:ln w="0"/>
-                <a:effectLst>
-                  <a:outerShdw blurRad="38100" dist="19050" dir="2700000" algn="tl" rotWithShape="0">
-                    <a:schemeClr val="dk1">
-                      <a:alpha val="40000"/>
-                    </a:schemeClr>
-                  </a:outerShdw>
-                </a:effectLst>
-              </a:rPr>
-              <a:t>TABLES</a:t>
-            </a:r>
-            <a:endParaRPr lang="en-IN" sz="4000" dirty="0">
-              <a:ln w="0"/>
-              <a:effectLst>
-                <a:outerShdw blurRad="38100" dist="19050" dir="2700000" algn="tl" rotWithShape="0">
-                  <a:schemeClr val="dk1">
-                    <a:alpha val="40000"/>
-                  </a:schemeClr>
-                </a:outerShdw>
-              </a:effectLst>
-            </a:endParaRPr>
+              <a:t>SCHEMA DESIGN  - RAW TABLES</a:t>
+            </a:r>
           </a:p>
         </p:txBody>
       </p:sp>
@@ -3598,8 +3568,8 @@
         </p:nvSpPr>
         <p:spPr>
           <a:xfrm>
-            <a:off x="2881852" y="356877"/>
-            <a:ext cx="8930244" cy="6124371"/>
+            <a:off x="1754658" y="926757"/>
+            <a:ext cx="8562269" cy="5616116"/>
           </a:xfrm>
           <a:prstGeom prst="rect">
             <a:avLst/>
@@ -3644,7 +3614,7 @@
         </p:nvSpPr>
         <p:spPr>
           <a:xfrm>
-            <a:off x="3098576" y="2659761"/>
+            <a:off x="2056153" y="2925760"/>
             <a:ext cx="2211780" cy="1815882"/>
           </a:xfrm>
           <a:prstGeom prst="rect">
@@ -3737,7 +3707,7 @@
         </p:nvSpPr>
         <p:spPr>
           <a:xfrm>
-            <a:off x="6676019" y="2444318"/>
+            <a:off x="5180851" y="2710317"/>
             <a:ext cx="1692233" cy="2246769"/>
           </a:xfrm>
           <a:prstGeom prst="rect">
@@ -3862,7 +3832,7 @@
         </p:nvSpPr>
         <p:spPr>
           <a:xfrm>
-            <a:off x="9627034" y="1940905"/>
+            <a:off x="8131866" y="2206904"/>
             <a:ext cx="2018808" cy="1384995"/>
           </a:xfrm>
           <a:prstGeom prst="rect">
@@ -3938,7 +3908,7 @@
         </p:nvSpPr>
         <p:spPr>
           <a:xfrm>
-            <a:off x="9627031" y="4070368"/>
+            <a:off x="8131863" y="4336367"/>
             <a:ext cx="2018808" cy="954107"/>
           </a:xfrm>
           <a:prstGeom prst="rect">
@@ -3995,7 +3965,7 @@
         </p:nvSpPr>
         <p:spPr>
           <a:xfrm>
-            <a:off x="5899669" y="532314"/>
+            <a:off x="4404501" y="1129473"/>
             <a:ext cx="3244932" cy="954107"/>
           </a:xfrm>
           <a:prstGeom prst="rect">
@@ -4020,7 +3990,7 @@
           <a:lstStyle/>
           <a:p>
             <a:r>
-              <a:rPr lang="en-US" sz="1400" b="1" i="1" u="sng" smtClean="0"/>
+              <a:rPr lang="en-US" sz="1400" b="1" i="1" u="sng" dirty="0" err="1" smtClean="0"/>
               <a:t>income_level</a:t>
             </a:r>
             <a:endParaRPr lang="en-IN" sz="1400" b="1" i="1" u="sng" dirty="0"/>
@@ -4063,7 +4033,7 @@
         </p:nvSpPr>
         <p:spPr>
           <a:xfrm>
-            <a:off x="5835839" y="5279651"/>
+            <a:off x="4340671" y="5426041"/>
             <a:ext cx="3372592" cy="954107"/>
           </a:xfrm>
           <a:prstGeom prst="rect">
@@ -4095,7 +4065,7 @@
           </a:lstStyle>
           <a:p>
             <a:r>
-              <a:rPr lang="en-US" b="1" i="1" u="sng" smtClean="0"/>
+              <a:rPr lang="en-US" b="1" i="1" u="sng" dirty="0" err="1" smtClean="0"/>
               <a:t>lending_type</a:t>
             </a:r>
             <a:endParaRPr lang="en-IN" b="1" i="1" u="sng" dirty="0"/>
@@ -4148,7 +4118,7 @@
         </p:nvCxnSpPr>
         <p:spPr>
           <a:xfrm>
-            <a:off x="8368252" y="3567703"/>
+            <a:off x="6873084" y="3833702"/>
             <a:ext cx="1258779" cy="979719"/>
           </a:xfrm>
           <a:prstGeom prst="straightConnector1">
@@ -4187,7 +4157,7 @@
         </p:nvCxnSpPr>
         <p:spPr>
           <a:xfrm flipV="1">
-            <a:off x="8368252" y="2633403"/>
+            <a:off x="6873084" y="2899402"/>
             <a:ext cx="1258782" cy="934300"/>
           </a:xfrm>
           <a:prstGeom prst="straightConnector1">
@@ -4226,8 +4196,8 @@
         </p:nvCxnSpPr>
         <p:spPr>
           <a:xfrm flipH="1" flipV="1">
-            <a:off x="7522135" y="1486421"/>
-            <a:ext cx="1" cy="957897"/>
+            <a:off x="6026967" y="2083580"/>
+            <a:ext cx="1" cy="626737"/>
           </a:xfrm>
           <a:prstGeom prst="straightConnector1">
             <a:avLst/>
@@ -4259,13 +4229,14 @@
           <p:cNvPr id="23" name="Straight Arrow Connector 22"/>
           <p:cNvCxnSpPr>
             <a:stCxn id="5" idx="2"/>
+            <a:endCxn id="9" idx="0"/>
           </p:cNvCxnSpPr>
           <p:nvPr/>
         </p:nvCxnSpPr>
         <p:spPr>
-          <a:xfrm>
-            <a:off x="7522136" y="4691087"/>
-            <a:ext cx="0" cy="584698"/>
+          <a:xfrm flipH="1">
+            <a:off x="6026967" y="4957086"/>
+            <a:ext cx="1" cy="468955"/>
           </a:xfrm>
           <a:prstGeom prst="straightConnector1">
             <a:avLst/>
@@ -4300,7 +4271,7 @@
         </p:nvSpPr>
         <p:spPr>
           <a:xfrm>
-            <a:off x="3098576" y="532314"/>
+            <a:off x="2056153" y="1124529"/>
             <a:ext cx="1704108" cy="646331"/>
           </a:xfrm>
           <a:prstGeom prst="rect">
@@ -4343,8 +4314,8 @@
         </p:nvCxnSpPr>
         <p:spPr>
           <a:xfrm>
-            <a:off x="5310356" y="3567703"/>
-            <a:ext cx="1365663" cy="0"/>
+            <a:off x="4340671" y="3833701"/>
+            <a:ext cx="840180" cy="1"/>
           </a:xfrm>
           <a:prstGeom prst="straightConnector1">
             <a:avLst/>
@@ -4370,14 +4341,14 @@
       </p:cxnSp>
       <p:sp>
         <p:nvSpPr>
-          <p:cNvPr id="18" name="TextBox 17"/>
+          <p:cNvPr id="16" name="TextBox 15"/>
           <p:cNvSpPr txBox="1"/>
           <p:nvPr/>
         </p:nvSpPr>
         <p:spPr>
           <a:xfrm>
-            <a:off x="334974" y="2438833"/>
-            <a:ext cx="2173447" cy="1323439"/>
+            <a:off x="369097" y="100341"/>
+            <a:ext cx="11320395" cy="707886"/>
           </a:xfrm>
           <a:prstGeom prst="rect">
             <a:avLst/>
@@ -4390,46 +4361,16 @@
           </a:bodyPr>
           <a:lstStyle/>
           <a:p>
-            <a:pPr algn="ctr"/>
-            <a:r>
-              <a:rPr lang="en-US" sz="4000" dirty="0" smtClean="0">
-                <a:ln w="0"/>
-                <a:effectLst>
-                  <a:outerShdw blurRad="38100" dist="19050" dir="2700000" algn="tl" rotWithShape="0">
-                    <a:schemeClr val="dk1">
-                      <a:alpha val="40000"/>
-                    </a:schemeClr>
-                  </a:outerShdw>
-                </a:effectLst>
+            <a:r>
+              <a:rPr lang="en-US" sz="4000" b="1" dirty="0" smtClean="0">
+                <a:solidFill>
+                  <a:srgbClr val="7030A0"/>
+                </a:solidFill>
+                <a:latin typeface="Calibri" panose="020F0502020204030204" pitchFamily="34" charset="0"/>
+                <a:cs typeface="Calibri" panose="020F0502020204030204" pitchFamily="34" charset="0"/>
               </a:rPr>
-              <a:t>STAR</a:t>
-            </a:r>
-          </a:p>
-          <a:p>
-            <a:pPr algn="ctr"/>
-            <a:r>
-              <a:rPr lang="en-US" sz="4000" dirty="0" smtClean="0">
-                <a:ln w="0"/>
-                <a:effectLst>
-                  <a:outerShdw blurRad="38100" dist="19050" dir="2700000" algn="tl" rotWithShape="0">
-                    <a:schemeClr val="dk1">
-                      <a:alpha val="40000"/>
-                    </a:schemeClr>
-                  </a:outerShdw>
-                </a:effectLst>
-              </a:rPr>
-              <a:t>SCHEMA</a:t>
-            </a:r>
-            <a:endParaRPr lang="en-IN" sz="4000" dirty="0">
-              <a:ln w="0"/>
-              <a:effectLst>
-                <a:outerShdw blurRad="38100" dist="19050" dir="2700000" algn="tl" rotWithShape="0">
-                  <a:schemeClr val="dk1">
-                    <a:alpha val="40000"/>
-                  </a:schemeClr>
-                </a:outerShdw>
-              </a:effectLst>
-            </a:endParaRPr>
+              <a:t>SCHEMA DESIGN - COUNTRY DATA - STAR SCHEMA</a:t>
+            </a:r>
           </a:p>
         </p:txBody>
       </p:sp>
